--- a/slides/1_mlflow/mlflow.pptx
+++ b/slides/1_mlflow/mlflow.pptx
@@ -204,7 +204,7 @@
           <a:p>
             <a:fld id="{68F33786-69FA-47D8-964E-2BB12BEAF6E1}" type="datetimeFigureOut">
               <a:rPr lang="fr-FR" smtClean="0"/>
-              <a:t>06/03/2025</a:t>
+              <a:t>09/03/2025</a:t>
             </a:fld>
             <a:endParaRPr lang="fr-FR"/>
           </a:p>
@@ -12238,186 +12238,9 @@
           <a:p>
             <a:r>
               <a:rPr lang="fr-FR" dirty="0" err="1" smtClean="0"/>
-              <a:t>MLOps</a:t>
-            </a:r>
-            <a:r>
-              <a:rPr lang="fr-FR" dirty="0" smtClean="0"/>
-              <a:t> on GCP - </a:t>
-            </a:r>
-            <a:r>
-              <a:rPr lang="fr-FR" dirty="0" err="1" smtClean="0"/>
               <a:t>MLFlow</a:t>
             </a:r>
             <a:endParaRPr lang="fr-FR" dirty="0"/>
-          </a:p>
-        </p:txBody>
-      </p:sp>
-      <p:sp>
-        <p:nvSpPr>
-          <p:cNvPr id="3" name="Titre 1"/>
-          <p:cNvSpPr txBox="1">
-            <a:spLocks/>
-          </p:cNvSpPr>
-          <p:nvPr/>
-        </p:nvSpPr>
-        <p:spPr bwMode="auto">
-          <a:xfrm>
-            <a:off x="531055" y="5405240"/>
-            <a:ext cx="2892629" cy="261914"/>
-          </a:xfrm>
-          <a:prstGeom prst="rect">
-            <a:avLst/>
-          </a:prstGeom>
-          <a:noFill/>
-          <a:ln w="9525">
-            <a:noFill/>
-            <a:miter lim="800000"/>
-            <a:headEnd/>
-            <a:tailEnd/>
-          </a:ln>
-        </p:spPr>
-        <p:txBody>
-          <a:bodyPr vert="horz" wrap="square" lIns="91440" tIns="36000" rIns="91440" bIns="36000" numCol="1" anchor="b" anchorCtr="0" compatLnSpc="1">
-            <a:prstTxWarp prst="textNoShape">
-              <a:avLst/>
-            </a:prstTxWarp>
-          </a:bodyPr>
-          <a:lstStyle>
-            <a:lvl1pPr algn="l" rtl="0" eaLnBrk="1" fontAlgn="base" hangingPunct="1">
-              <a:spcBef>
-                <a:spcPct val="0"/>
-              </a:spcBef>
-              <a:spcAft>
-                <a:spcPct val="0"/>
-              </a:spcAft>
-              <a:defRPr sz="3600" b="0" i="0" kern="1200" baseline="0">
-                <a:solidFill>
-                  <a:schemeClr val="bg1"/>
-                </a:solidFill>
-                <a:latin typeface="Franklin Gothic Book" panose="020B0503020102020204" pitchFamily="34" charset="0"/>
-                <a:ea typeface="+mj-ea"/>
-                <a:cs typeface="Franklin Gothic Book" panose="020B0503020102020204" pitchFamily="34" charset="0"/>
-              </a:defRPr>
-            </a:lvl1pPr>
-            <a:lvl2pPr algn="ctr" rtl="0" eaLnBrk="1" fontAlgn="base" hangingPunct="1">
-              <a:spcBef>
-                <a:spcPct val="0"/>
-              </a:spcBef>
-              <a:spcAft>
-                <a:spcPct val="0"/>
-              </a:spcAft>
-              <a:defRPr sz="4400">
-                <a:solidFill>
-                  <a:schemeClr val="tx1"/>
-                </a:solidFill>
-                <a:latin typeface="Calibri" pitchFamily="34" charset="0"/>
-              </a:defRPr>
-            </a:lvl2pPr>
-            <a:lvl3pPr algn="ctr" rtl="0" eaLnBrk="1" fontAlgn="base" hangingPunct="1">
-              <a:spcBef>
-                <a:spcPct val="0"/>
-              </a:spcBef>
-              <a:spcAft>
-                <a:spcPct val="0"/>
-              </a:spcAft>
-              <a:defRPr sz="4400">
-                <a:solidFill>
-                  <a:schemeClr val="tx1"/>
-                </a:solidFill>
-                <a:latin typeface="Calibri" pitchFamily="34" charset="0"/>
-              </a:defRPr>
-            </a:lvl3pPr>
-            <a:lvl4pPr algn="ctr" rtl="0" eaLnBrk="1" fontAlgn="base" hangingPunct="1">
-              <a:spcBef>
-                <a:spcPct val="0"/>
-              </a:spcBef>
-              <a:spcAft>
-                <a:spcPct val="0"/>
-              </a:spcAft>
-              <a:defRPr sz="4400">
-                <a:solidFill>
-                  <a:schemeClr val="tx1"/>
-                </a:solidFill>
-                <a:latin typeface="Calibri" pitchFamily="34" charset="0"/>
-              </a:defRPr>
-            </a:lvl4pPr>
-            <a:lvl5pPr algn="ctr" rtl="0" eaLnBrk="1" fontAlgn="base" hangingPunct="1">
-              <a:spcBef>
-                <a:spcPct val="0"/>
-              </a:spcBef>
-              <a:spcAft>
-                <a:spcPct val="0"/>
-              </a:spcAft>
-              <a:defRPr sz="4400">
-                <a:solidFill>
-                  <a:schemeClr val="tx1"/>
-                </a:solidFill>
-                <a:latin typeface="Calibri" pitchFamily="34" charset="0"/>
-              </a:defRPr>
-            </a:lvl5pPr>
-            <a:lvl6pPr marL="457200" algn="ctr" rtl="0" eaLnBrk="1" fontAlgn="base" hangingPunct="1">
-              <a:spcBef>
-                <a:spcPct val="0"/>
-              </a:spcBef>
-              <a:spcAft>
-                <a:spcPct val="0"/>
-              </a:spcAft>
-              <a:defRPr sz="4400">
-                <a:solidFill>
-                  <a:schemeClr val="tx1"/>
-                </a:solidFill>
-                <a:latin typeface="Calibri" pitchFamily="34" charset="0"/>
-              </a:defRPr>
-            </a:lvl6pPr>
-            <a:lvl7pPr marL="914400" algn="ctr" rtl="0" eaLnBrk="1" fontAlgn="base" hangingPunct="1">
-              <a:spcBef>
-                <a:spcPct val="0"/>
-              </a:spcBef>
-              <a:spcAft>
-                <a:spcPct val="0"/>
-              </a:spcAft>
-              <a:defRPr sz="4400">
-                <a:solidFill>
-                  <a:schemeClr val="tx1"/>
-                </a:solidFill>
-                <a:latin typeface="Calibri" pitchFamily="34" charset="0"/>
-              </a:defRPr>
-            </a:lvl7pPr>
-            <a:lvl8pPr marL="1371600" algn="ctr" rtl="0" eaLnBrk="1" fontAlgn="base" hangingPunct="1">
-              <a:spcBef>
-                <a:spcPct val="0"/>
-              </a:spcBef>
-              <a:spcAft>
-                <a:spcPct val="0"/>
-              </a:spcAft>
-              <a:defRPr sz="4400">
-                <a:solidFill>
-                  <a:schemeClr val="tx1"/>
-                </a:solidFill>
-                <a:latin typeface="Calibri" pitchFamily="34" charset="0"/>
-              </a:defRPr>
-            </a:lvl8pPr>
-            <a:lvl9pPr marL="1828800" algn="ctr" rtl="0" eaLnBrk="1" fontAlgn="base" hangingPunct="1">
-              <a:spcBef>
-                <a:spcPct val="0"/>
-              </a:spcBef>
-              <a:spcAft>
-                <a:spcPct val="0"/>
-              </a:spcAft>
-              <a:defRPr sz="4400">
-                <a:solidFill>
-                  <a:schemeClr val="tx1"/>
-                </a:solidFill>
-                <a:latin typeface="Calibri" pitchFamily="34" charset="0"/>
-              </a:defRPr>
-            </a:lvl9pPr>
-          </a:lstStyle>
-          <a:p>
-            <a:r>
-              <a:rPr lang="fr-FR" sz="1400" dirty="0" smtClean="0"/>
-              <a:t>03/2025</a:t>
-            </a:r>
-            <a:endParaRPr lang="fr-FR" sz="1400" dirty="0"/>
           </a:p>
         </p:txBody>
       </p:sp>
@@ -12600,11 +12423,7 @@
           <a:p>
             <a:r>
               <a:rPr lang="fr-FR" dirty="0" smtClean="0"/>
-              <a:t>2025 </a:t>
-            </a:r>
-            <a:r>
-              <a:rPr lang="fr-FR" dirty="0" smtClean="0"/>
-              <a:t>| ©</a:t>
+              <a:t>2025 | ©</a:t>
             </a:r>
             <a:r>
               <a:rPr lang="fr-FR" dirty="0" err="1" smtClean="0"/>
@@ -12625,10 +12444,6 @@
             <a:r>
               <a:rPr lang="fr-FR" dirty="0" err="1" smtClean="0"/>
               <a:t>Blockchain</a:t>
-            </a:r>
-            <a:r>
-              <a:rPr lang="fr-FR" dirty="0" smtClean="0"/>
-              <a:t> | Confidentiel</a:t>
             </a:r>
             <a:endParaRPr lang="fr-FR" dirty="0"/>
           </a:p>
@@ -12754,6 +12569,30 @@
           </a:p>
         </p:txBody>
       </p:sp>
+      <p:pic>
+        <p:nvPicPr>
+          <p:cNvPr id="10" name="Image 9"/>
+          <p:cNvPicPr>
+            <a:picLocks noChangeAspect="1"/>
+          </p:cNvPicPr>
+          <p:nvPr/>
+        </p:nvPicPr>
+        <p:blipFill>
+          <a:blip r:embed="rId5"/>
+          <a:stretch>
+            <a:fillRect/>
+          </a:stretch>
+        </p:blipFill>
+        <p:spPr>
+          <a:xfrm>
+            <a:off x="9979750" y="1380178"/>
+            <a:ext cx="1628775" cy="390525"/>
+          </a:xfrm>
+          <a:prstGeom prst="rect">
+            <a:avLst/>
+          </a:prstGeom>
+        </p:spPr>
+      </p:pic>
     </p:spTree>
     <p:extLst>
       <p:ext uri="{BB962C8B-B14F-4D97-AF65-F5344CB8AC3E}">
@@ -12863,11 +12702,7 @@
             </a:r>
             <a:r>
               <a:rPr lang="fr-FR" dirty="0" err="1" smtClean="0"/>
-              <a:t>Databrick</a:t>
-            </a:r>
-            <a:r>
-              <a:rPr lang="fr-FR" dirty="0" err="1" smtClean="0"/>
-              <a:t>s</a:t>
+              <a:t>Databricks</a:t>
             </a:r>
             <a:r>
               <a:rPr lang="fr-FR" dirty="0" smtClean="0"/>
@@ -12915,11 +12750,7 @@
             </a:r>
             <a:r>
               <a:rPr lang="fr-FR" dirty="0" err="1" smtClean="0"/>
-              <a:t>u</a:t>
-            </a:r>
-            <a:r>
-              <a:rPr lang="fr-FR" dirty="0" err="1" smtClean="0"/>
-              <a:t>sed</a:t>
+              <a:t>used</a:t>
             </a:r>
             <a:r>
               <a:rPr lang="fr-FR" dirty="0" smtClean="0"/>
@@ -13013,53 +12844,6 @@
           </a:p>
         </p:txBody>
       </p:sp>
-      <p:sp>
-        <p:nvSpPr>
-          <p:cNvPr id="5" name="Espace réservé du pied de page 4"/>
-          <p:cNvSpPr>
-            <a:spLocks noGrp="1"/>
-          </p:cNvSpPr>
-          <p:nvPr>
-            <p:ph type="ftr" sz="quarter" idx="3"/>
-          </p:nvPr>
-        </p:nvSpPr>
-        <p:spPr/>
-        <p:txBody>
-          <a:bodyPr/>
-          <a:lstStyle/>
-          <a:p>
-            <a:r>
-              <a:rPr lang="fr-FR" smtClean="0"/>
-              <a:t>2022 | ©HeadMind Partners AI &amp; Blockchain | Confidentiel</a:t>
-            </a:r>
-            <a:endParaRPr lang="fr-FR" dirty="0"/>
-          </a:p>
-        </p:txBody>
-      </p:sp>
-      <p:pic>
-        <p:nvPicPr>
-          <p:cNvPr id="6" name="Image 5"/>
-          <p:cNvPicPr>
-            <a:picLocks noChangeAspect="1"/>
-          </p:cNvPicPr>
-          <p:nvPr/>
-        </p:nvPicPr>
-        <p:blipFill>
-          <a:blip r:embed="rId2"/>
-          <a:stretch>
-            <a:fillRect/>
-          </a:stretch>
-        </p:blipFill>
-        <p:spPr>
-          <a:xfrm>
-            <a:off x="10035844" y="536719"/>
-            <a:ext cx="1628775" cy="390525"/>
-          </a:xfrm>
-          <a:prstGeom prst="rect">
-            <a:avLst/>
-          </a:prstGeom>
-        </p:spPr>
-      </p:pic>
       <p:pic>
         <p:nvPicPr>
           <p:cNvPr id="9" name="Image 8"/>
@@ -13069,7 +12853,7 @@
           <p:nvPr/>
         </p:nvPicPr>
         <p:blipFill>
-          <a:blip r:embed="rId3"/>
+          <a:blip r:embed="rId2"/>
           <a:stretch>
             <a:fillRect/>
           </a:stretch>
@@ -13291,6 +13075,54 @@
               <a:t>Source : mlflow.org</a:t>
             </a:r>
             <a:endParaRPr lang="fr-FR" sz="1200" i="1" dirty="0"/>
+          </a:p>
+        </p:txBody>
+      </p:sp>
+      <p:sp>
+        <p:nvSpPr>
+          <p:cNvPr id="11" name="Espace réservé du pied de page 4"/>
+          <p:cNvSpPr>
+            <a:spLocks noGrp="1"/>
+          </p:cNvSpPr>
+          <p:nvPr>
+            <p:ph type="ftr" sz="quarter" idx="3"/>
+          </p:nvPr>
+        </p:nvSpPr>
+        <p:spPr>
+          <a:xfrm>
+            <a:off x="511908" y="6406728"/>
+            <a:ext cx="5672016" cy="365125"/>
+          </a:xfrm>
+        </p:spPr>
+        <p:txBody>
+          <a:bodyPr/>
+          <a:lstStyle/>
+          <a:p>
+            <a:r>
+              <a:rPr lang="fr-FR" dirty="0" smtClean="0"/>
+              <a:t>2025 | ©</a:t>
+            </a:r>
+            <a:r>
+              <a:rPr lang="fr-FR" dirty="0" err="1" smtClean="0"/>
+              <a:t>HeadMind</a:t>
+            </a:r>
+            <a:r>
+              <a:rPr lang="fr-FR" dirty="0" smtClean="0"/>
+              <a:t> </a:t>
+            </a:r>
+            <a:r>
+              <a:rPr lang="fr-FR" dirty="0" err="1" smtClean="0"/>
+              <a:t>Partners</a:t>
+            </a:r>
+            <a:r>
+              <a:rPr lang="fr-FR" dirty="0" smtClean="0"/>
+              <a:t> AI &amp; </a:t>
+            </a:r>
+            <a:r>
+              <a:rPr lang="fr-FR" dirty="0" err="1" smtClean="0"/>
+              <a:t>Blockchain</a:t>
+            </a:r>
+            <a:endParaRPr lang="fr-FR" dirty="0"/>
           </a:p>
         </p:txBody>
       </p:sp>
@@ -13434,29 +13266,6 @@
       </p:sp>
       <p:sp>
         <p:nvSpPr>
-          <p:cNvPr id="5" name="Espace réservé du pied de page 4"/>
-          <p:cNvSpPr>
-            <a:spLocks noGrp="1"/>
-          </p:cNvSpPr>
-          <p:nvPr>
-            <p:ph type="ftr" sz="quarter" idx="3"/>
-          </p:nvPr>
-        </p:nvSpPr>
-        <p:spPr/>
-        <p:txBody>
-          <a:bodyPr/>
-          <a:lstStyle/>
-          <a:p>
-            <a:r>
-              <a:rPr lang="fr-FR" smtClean="0"/>
-              <a:t>2022 | ©HeadMind Partners AI &amp; Blockchain | Confidentiel</a:t>
-            </a:r>
-            <a:endParaRPr lang="fr-FR" dirty="0"/>
-          </a:p>
-        </p:txBody>
-      </p:sp>
-      <p:sp>
-        <p:nvSpPr>
           <p:cNvPr id="8" name="Espace réservé du texte 2"/>
           <p:cNvSpPr>
             <a:spLocks noGrp="1"/>
@@ -13962,6 +13771,54 @@
           </a:prstGeom>
         </p:spPr>
       </p:pic>
+      <p:sp>
+        <p:nvSpPr>
+          <p:cNvPr id="13" name="Espace réservé du pied de page 4"/>
+          <p:cNvSpPr>
+            <a:spLocks noGrp="1"/>
+          </p:cNvSpPr>
+          <p:nvPr>
+            <p:ph type="ftr" sz="quarter" idx="3"/>
+          </p:nvPr>
+        </p:nvSpPr>
+        <p:spPr>
+          <a:xfrm>
+            <a:off x="511908" y="6406728"/>
+            <a:ext cx="5672016" cy="365125"/>
+          </a:xfrm>
+        </p:spPr>
+        <p:txBody>
+          <a:bodyPr/>
+          <a:lstStyle/>
+          <a:p>
+            <a:r>
+              <a:rPr lang="fr-FR" dirty="0" smtClean="0"/>
+              <a:t>2025 | ©</a:t>
+            </a:r>
+            <a:r>
+              <a:rPr lang="fr-FR" dirty="0" err="1" smtClean="0"/>
+              <a:t>HeadMind</a:t>
+            </a:r>
+            <a:r>
+              <a:rPr lang="fr-FR" dirty="0" smtClean="0"/>
+              <a:t> </a:t>
+            </a:r>
+            <a:r>
+              <a:rPr lang="fr-FR" dirty="0" err="1" smtClean="0"/>
+              <a:t>Partners</a:t>
+            </a:r>
+            <a:r>
+              <a:rPr lang="fr-FR" dirty="0" smtClean="0"/>
+              <a:t> AI &amp; </a:t>
+            </a:r>
+            <a:r>
+              <a:rPr lang="fr-FR" dirty="0" err="1" smtClean="0"/>
+              <a:t>Blockchain</a:t>
+            </a:r>
+            <a:endParaRPr lang="fr-FR" dirty="0"/>
+          </a:p>
+        </p:txBody>
+      </p:sp>
     </p:spTree>
     <p:extLst>
       <p:ext uri="{BB962C8B-B14F-4D97-AF65-F5344CB8AC3E}">
@@ -14059,29 +13916,6 @@
           </a:p>
         </p:txBody>
       </p:sp>
-      <p:sp>
-        <p:nvSpPr>
-          <p:cNvPr id="5" name="Espace réservé du pied de page 4"/>
-          <p:cNvSpPr>
-            <a:spLocks noGrp="1"/>
-          </p:cNvSpPr>
-          <p:nvPr>
-            <p:ph type="ftr" sz="quarter" idx="3"/>
-          </p:nvPr>
-        </p:nvSpPr>
-        <p:spPr/>
-        <p:txBody>
-          <a:bodyPr/>
-          <a:lstStyle/>
-          <a:p>
-            <a:r>
-              <a:rPr lang="fr-FR" smtClean="0"/>
-              <a:t>2022 | ©HeadMind Partners AI &amp; Blockchain | Confidentiel</a:t>
-            </a:r>
-            <a:endParaRPr lang="fr-FR" dirty="0"/>
-          </a:p>
-        </p:txBody>
-      </p:sp>
       <p:pic>
         <p:nvPicPr>
           <p:cNvPr id="7" name="Image 6"/>
@@ -14313,6 +14147,54 @@
               <a:t>Source : mlflow.org</a:t>
             </a:r>
             <a:endParaRPr lang="fr-FR" sz="1200" i="1" dirty="0"/>
+          </a:p>
+        </p:txBody>
+      </p:sp>
+      <p:sp>
+        <p:nvSpPr>
+          <p:cNvPr id="9" name="Espace réservé du pied de page 4"/>
+          <p:cNvSpPr>
+            <a:spLocks noGrp="1"/>
+          </p:cNvSpPr>
+          <p:nvPr>
+            <p:ph type="ftr" sz="quarter" idx="3"/>
+          </p:nvPr>
+        </p:nvSpPr>
+        <p:spPr>
+          <a:xfrm>
+            <a:off x="511908" y="6406728"/>
+            <a:ext cx="5672016" cy="365125"/>
+          </a:xfrm>
+        </p:spPr>
+        <p:txBody>
+          <a:bodyPr/>
+          <a:lstStyle/>
+          <a:p>
+            <a:r>
+              <a:rPr lang="fr-FR" dirty="0" smtClean="0"/>
+              <a:t>2025 | ©</a:t>
+            </a:r>
+            <a:r>
+              <a:rPr lang="fr-FR" dirty="0" err="1" smtClean="0"/>
+              <a:t>HeadMind</a:t>
+            </a:r>
+            <a:r>
+              <a:rPr lang="fr-FR" dirty="0" smtClean="0"/>
+              <a:t> </a:t>
+            </a:r>
+            <a:r>
+              <a:rPr lang="fr-FR" dirty="0" err="1" smtClean="0"/>
+              <a:t>Partners</a:t>
+            </a:r>
+            <a:r>
+              <a:rPr lang="fr-FR" dirty="0" smtClean="0"/>
+              <a:t> AI &amp; </a:t>
+            </a:r>
+            <a:r>
+              <a:rPr lang="fr-FR" dirty="0" err="1" smtClean="0"/>
+              <a:t>Blockchain</a:t>
+            </a:r>
+            <a:endParaRPr lang="fr-FR" dirty="0"/>
           </a:p>
         </p:txBody>
       </p:sp>
@@ -14407,11 +14289,7 @@
             </a:r>
             <a:r>
               <a:rPr lang="fr-FR" dirty="0" smtClean="0"/>
-              <a:t>, </a:t>
-            </a:r>
-            <a:r>
-              <a:rPr lang="fr-FR" dirty="0" smtClean="0"/>
-              <a:t>on </a:t>
+              <a:t>, on </a:t>
             </a:r>
             <a:r>
               <a:rPr lang="fr-FR" b="1" dirty="0" smtClean="0"/>
@@ -14794,7 +14672,7 @@
       </p:sp>
       <p:sp>
         <p:nvSpPr>
-          <p:cNvPr id="5" name="Espace réservé du pied de page 4"/>
+          <p:cNvPr id="6" name="Espace réservé du pied de page 4"/>
           <p:cNvSpPr>
             <a:spLocks noGrp="1"/>
           </p:cNvSpPr>
@@ -14802,14 +14680,39 @@
             <p:ph type="ftr" sz="quarter" idx="3"/>
           </p:nvPr>
         </p:nvSpPr>
-        <p:spPr/>
+        <p:spPr>
+          <a:xfrm>
+            <a:off x="511908" y="6406728"/>
+            <a:ext cx="5672016" cy="365125"/>
+          </a:xfrm>
+        </p:spPr>
         <p:txBody>
           <a:bodyPr/>
           <a:lstStyle/>
           <a:p>
             <a:r>
-              <a:rPr lang="fr-FR" smtClean="0"/>
-              <a:t>2022 | ©HeadMind Partners AI &amp; Blockchain | Confidentiel</a:t>
+              <a:rPr lang="fr-FR" dirty="0" smtClean="0"/>
+              <a:t>2025 | ©</a:t>
+            </a:r>
+            <a:r>
+              <a:rPr lang="fr-FR" dirty="0" err="1" smtClean="0"/>
+              <a:t>HeadMind</a:t>
+            </a:r>
+            <a:r>
+              <a:rPr lang="fr-FR" dirty="0" smtClean="0"/>
+              <a:t> </a:t>
+            </a:r>
+            <a:r>
+              <a:rPr lang="fr-FR" dirty="0" err="1" smtClean="0"/>
+              <a:t>Partners</a:t>
+            </a:r>
+            <a:r>
+              <a:rPr lang="fr-FR" dirty="0" smtClean="0"/>
+              <a:t> AI &amp; </a:t>
+            </a:r>
+            <a:r>
+              <a:rPr lang="fr-FR" dirty="0" err="1" smtClean="0"/>
+              <a:t>Blockchain</a:t>
             </a:r>
             <a:endParaRPr lang="fr-FR" dirty="0"/>
           </a:p>
@@ -14973,29 +14876,6 @@
           </a:p>
         </p:txBody>
       </p:sp>
-      <p:sp>
-        <p:nvSpPr>
-          <p:cNvPr id="5" name="Espace réservé du pied de page 4"/>
-          <p:cNvSpPr>
-            <a:spLocks noGrp="1"/>
-          </p:cNvSpPr>
-          <p:nvPr>
-            <p:ph type="ftr" sz="quarter" idx="3"/>
-          </p:nvPr>
-        </p:nvSpPr>
-        <p:spPr/>
-        <p:txBody>
-          <a:bodyPr/>
-          <a:lstStyle/>
-          <a:p>
-            <a:r>
-              <a:rPr lang="fr-FR" smtClean="0"/>
-              <a:t>2022 | ©HeadMind Partners AI &amp; Blockchain | Confidentiel</a:t>
-            </a:r>
-            <a:endParaRPr lang="fr-FR" dirty="0"/>
-          </a:p>
-        </p:txBody>
-      </p:sp>
       <p:pic>
         <p:nvPicPr>
           <p:cNvPr id="7" name="Image 6"/>
@@ -15044,6 +14924,54 @@
           </a:prstGeom>
         </p:spPr>
       </p:pic>
+      <p:sp>
+        <p:nvSpPr>
+          <p:cNvPr id="9" name="Espace réservé du pied de page 4"/>
+          <p:cNvSpPr>
+            <a:spLocks noGrp="1"/>
+          </p:cNvSpPr>
+          <p:nvPr>
+            <p:ph type="ftr" sz="quarter" idx="3"/>
+          </p:nvPr>
+        </p:nvSpPr>
+        <p:spPr>
+          <a:xfrm>
+            <a:off x="511908" y="6406728"/>
+            <a:ext cx="5672016" cy="365125"/>
+          </a:xfrm>
+        </p:spPr>
+        <p:txBody>
+          <a:bodyPr/>
+          <a:lstStyle/>
+          <a:p>
+            <a:r>
+              <a:rPr lang="fr-FR" dirty="0" smtClean="0"/>
+              <a:t>2025 | ©</a:t>
+            </a:r>
+            <a:r>
+              <a:rPr lang="fr-FR" dirty="0" err="1" smtClean="0"/>
+              <a:t>HeadMind</a:t>
+            </a:r>
+            <a:r>
+              <a:rPr lang="fr-FR" dirty="0" smtClean="0"/>
+              <a:t> </a:t>
+            </a:r>
+            <a:r>
+              <a:rPr lang="fr-FR" dirty="0" err="1" smtClean="0"/>
+              <a:t>Partners</a:t>
+            </a:r>
+            <a:r>
+              <a:rPr lang="fr-FR" dirty="0" smtClean="0"/>
+              <a:t> AI &amp; </a:t>
+            </a:r>
+            <a:r>
+              <a:rPr lang="fr-FR" dirty="0" err="1" smtClean="0"/>
+              <a:t>Blockchain</a:t>
+            </a:r>
+            <a:endParaRPr lang="fr-FR" dirty="0"/>
+          </a:p>
+        </p:txBody>
+      </p:sp>
     </p:spTree>
     <p:extLst>
       <p:ext uri="{BB962C8B-B14F-4D97-AF65-F5344CB8AC3E}">
@@ -15189,29 +15117,6 @@
       </p:sp>
       <p:sp>
         <p:nvSpPr>
-          <p:cNvPr id="5" name="Espace réservé du pied de page 4"/>
-          <p:cNvSpPr>
-            <a:spLocks noGrp="1"/>
-          </p:cNvSpPr>
-          <p:nvPr>
-            <p:ph type="ftr" sz="quarter" idx="3"/>
-          </p:nvPr>
-        </p:nvSpPr>
-        <p:spPr/>
-        <p:txBody>
-          <a:bodyPr/>
-          <a:lstStyle/>
-          <a:p>
-            <a:r>
-              <a:rPr lang="fr-FR" smtClean="0"/>
-              <a:t>2022 | ©HeadMind Partners AI &amp; Blockchain | Confidentiel</a:t>
-            </a:r>
-            <a:endParaRPr lang="fr-FR" dirty="0"/>
-          </a:p>
-        </p:txBody>
-      </p:sp>
-      <p:sp>
-        <p:nvSpPr>
           <p:cNvPr id="6" name="Rectangle 5"/>
           <p:cNvSpPr/>
           <p:nvPr/>
@@ -16083,6 +15988,54 @@
             <a:r>
               <a:rPr lang="fr-FR" dirty="0" err="1" smtClean="0"/>
               <a:t>Prep</a:t>
+            </a:r>
+            <a:endParaRPr lang="fr-FR" dirty="0"/>
+          </a:p>
+        </p:txBody>
+      </p:sp>
+      <p:sp>
+        <p:nvSpPr>
+          <p:cNvPr id="23" name="Espace réservé du pied de page 4"/>
+          <p:cNvSpPr>
+            <a:spLocks noGrp="1"/>
+          </p:cNvSpPr>
+          <p:nvPr>
+            <p:ph type="ftr" sz="quarter" idx="3"/>
+          </p:nvPr>
+        </p:nvSpPr>
+        <p:spPr>
+          <a:xfrm>
+            <a:off x="511908" y="6406728"/>
+            <a:ext cx="5672016" cy="365125"/>
+          </a:xfrm>
+        </p:spPr>
+        <p:txBody>
+          <a:bodyPr/>
+          <a:lstStyle/>
+          <a:p>
+            <a:r>
+              <a:rPr lang="fr-FR" dirty="0" smtClean="0"/>
+              <a:t>2025 | ©</a:t>
+            </a:r>
+            <a:r>
+              <a:rPr lang="fr-FR" dirty="0" err="1" smtClean="0"/>
+              <a:t>HeadMind</a:t>
+            </a:r>
+            <a:r>
+              <a:rPr lang="fr-FR" dirty="0" smtClean="0"/>
+              <a:t> </a:t>
+            </a:r>
+            <a:r>
+              <a:rPr lang="fr-FR" dirty="0" err="1" smtClean="0"/>
+              <a:t>Partners</a:t>
+            </a:r>
+            <a:r>
+              <a:rPr lang="fr-FR" dirty="0" smtClean="0"/>
+              <a:t> AI &amp; </a:t>
+            </a:r>
+            <a:r>
+              <a:rPr lang="fr-FR" dirty="0" err="1" smtClean="0"/>
+              <a:t>Blockchain</a:t>
             </a:r>
             <a:endParaRPr lang="fr-FR" dirty="0"/>
           </a:p>
